--- a/Final Project Presentation.pptx
+++ b/Final Project Presentation.pptx
@@ -2679,7 +2679,7 @@
           <a:p>
             <a:fld id="{C764DE79-268F-4C1A-8933-263129D2AF90}" type="datetimeFigureOut">
               <a:rPr lang="en-US" dirty="0"/>
-              <a:t>5/2/2021</a:t>
+              <a:t>5/3/2021</a:t>
             </a:fld>
             <a:endParaRPr lang="en-US"/>
           </a:p>
@@ -2847,7 +2847,7 @@
           <a:p>
             <a:fld id="{C764DE79-268F-4C1A-8933-263129D2AF90}" type="datetimeFigureOut">
               <a:rPr lang="en-US" dirty="0"/>
-              <a:t>5/2/2021</a:t>
+              <a:t>5/3/2021</a:t>
             </a:fld>
             <a:endParaRPr lang="en-US"/>
           </a:p>
@@ -3025,7 +3025,7 @@
           <a:p>
             <a:fld id="{C764DE79-268F-4C1A-8933-263129D2AF90}" type="datetimeFigureOut">
               <a:rPr lang="en-US" dirty="0"/>
-              <a:t>5/2/2021</a:t>
+              <a:t>5/3/2021</a:t>
             </a:fld>
             <a:endParaRPr lang="en-US"/>
           </a:p>
@@ -3193,7 +3193,7 @@
           <a:p>
             <a:fld id="{C764DE79-268F-4C1A-8933-263129D2AF90}" type="datetimeFigureOut">
               <a:rPr lang="en-US" dirty="0"/>
-              <a:t>5/2/2021</a:t>
+              <a:t>5/3/2021</a:t>
             </a:fld>
             <a:endParaRPr lang="en-US"/>
           </a:p>
@@ -3438,7 +3438,7 @@
           <a:p>
             <a:fld id="{C764DE79-268F-4C1A-8933-263129D2AF90}" type="datetimeFigureOut">
               <a:rPr lang="en-US" dirty="0"/>
-              <a:t>5/2/2021</a:t>
+              <a:t>5/3/2021</a:t>
             </a:fld>
             <a:endParaRPr lang="en-US"/>
           </a:p>
@@ -3667,7 +3667,7 @@
           <a:p>
             <a:fld id="{C764DE79-268F-4C1A-8933-263129D2AF90}" type="datetimeFigureOut">
               <a:rPr lang="en-US" dirty="0"/>
-              <a:t>5/2/2021</a:t>
+              <a:t>5/3/2021</a:t>
             </a:fld>
             <a:endParaRPr lang="en-US"/>
           </a:p>
@@ -4031,7 +4031,7 @@
           <a:p>
             <a:fld id="{C764DE79-268F-4C1A-8933-263129D2AF90}" type="datetimeFigureOut">
               <a:rPr lang="en-US" dirty="0"/>
-              <a:t>5/2/2021</a:t>
+              <a:t>5/3/2021</a:t>
             </a:fld>
             <a:endParaRPr lang="en-US"/>
           </a:p>
@@ -4148,7 +4148,7 @@
           <a:p>
             <a:fld id="{C764DE79-268F-4C1A-8933-263129D2AF90}" type="datetimeFigureOut">
               <a:rPr lang="en-US" dirty="0"/>
-              <a:t>5/2/2021</a:t>
+              <a:t>5/3/2021</a:t>
             </a:fld>
             <a:endParaRPr lang="en-US"/>
           </a:p>
@@ -4243,7 +4243,7 @@
           <a:p>
             <a:fld id="{C764DE79-268F-4C1A-8933-263129D2AF90}" type="datetimeFigureOut">
               <a:rPr lang="en-US" dirty="0"/>
-              <a:t>5/2/2021</a:t>
+              <a:t>5/3/2021</a:t>
             </a:fld>
             <a:endParaRPr lang="en-US"/>
           </a:p>
@@ -4518,7 +4518,7 @@
           <a:p>
             <a:fld id="{C764DE79-268F-4C1A-8933-263129D2AF90}" type="datetimeFigureOut">
               <a:rPr lang="en-US" dirty="0"/>
-              <a:t>5/2/2021</a:t>
+              <a:t>5/3/2021</a:t>
             </a:fld>
             <a:endParaRPr lang="en-US"/>
           </a:p>
@@ -4770,7 +4770,7 @@
           <a:p>
             <a:fld id="{C764DE79-268F-4C1A-8933-263129D2AF90}" type="datetimeFigureOut">
               <a:rPr lang="en-US" dirty="0"/>
-              <a:t>5/2/2021</a:t>
+              <a:t>5/3/2021</a:t>
             </a:fld>
             <a:endParaRPr lang="en-US"/>
           </a:p>
@@ -4981,7 +4981,7 @@
           <a:p>
             <a:fld id="{C764DE79-268F-4C1A-8933-263129D2AF90}" type="datetimeFigureOut">
               <a:rPr lang="en-US" dirty="0"/>
-              <a:t>5/2/2021</a:t>
+              <a:t>5/3/2021</a:t>
             </a:fld>
             <a:endParaRPr lang="en-US"/>
           </a:p>
@@ -10354,7 +10354,7 @@
       </p:grpSpPr>
       <p:sp>
         <p:nvSpPr>
-          <p:cNvPr id="27" name="Down Arrow 7">
+          <p:cNvPr id="32" name="Down Arrow 7">
             <a:extLst>
               <a:ext uri="{FF2B5EF4-FFF2-40B4-BE49-F238E27FC236}">
                 <a16:creationId xmlns:a16="http://schemas.microsoft.com/office/drawing/2014/main" id="{D4771268-CB57-404A-9271-370EB28F6090}"/>
@@ -10464,19 +10464,17 @@
       </p:sp>
       <p:pic>
         <p:nvPicPr>
-          <p:cNvPr id="9" name="Content Placeholder 8">
+          <p:cNvPr id="6" name="Picture 5" descr="Table&#10;&#10;Description automatically generated">
             <a:extLst>
               <a:ext uri="{FF2B5EF4-FFF2-40B4-BE49-F238E27FC236}">
-                <a16:creationId xmlns:a16="http://schemas.microsoft.com/office/drawing/2014/main" id="{5D10E3B5-B4A3-4A4B-A565-610A1291D4B1}"/>
+                <a16:creationId xmlns:a16="http://schemas.microsoft.com/office/drawing/2014/main" id="{78F216AF-40FB-411D-AF3D-40728EF97476}"/>
               </a:ext>
             </a:extLst>
           </p:cNvPr>
           <p:cNvPicPr>
-            <a:picLocks noGrp="1" noChangeAspect="1"/>
+            <a:picLocks noChangeAspect="1"/>
           </p:cNvPicPr>
-          <p:nvPr>
-            <p:ph idx="1"/>
-          </p:nvPr>
+          <p:nvPr/>
         </p:nvPicPr>
         <p:blipFill>
           <a:blip r:embed="rId2"/>
@@ -10486,8 +10484,8 @@
         </p:blipFill>
         <p:spPr>
           <a:xfrm>
-            <a:off x="5697753" y="643466"/>
-            <a:ext cx="4939826" cy="5568739"/>
+            <a:off x="4777316" y="770043"/>
+            <a:ext cx="6780700" cy="5315585"/>
           </a:xfrm>
           <a:prstGeom prst="rect">
             <a:avLst/>
@@ -11332,44 +11330,6 @@
           </a:p>
           <a:p>
             <a:endParaRPr lang="en-IN" sz="1600" dirty="0"/>
-          </a:p>
-        </p:txBody>
-      </p:sp>
-      <p:sp>
-        <p:nvSpPr>
-          <p:cNvPr id="4" name="Content Placeholder 3">
-            <a:extLst>
-              <a:ext uri="{FF2B5EF4-FFF2-40B4-BE49-F238E27FC236}">
-                <a16:creationId xmlns:a16="http://schemas.microsoft.com/office/drawing/2014/main" id="{15F25226-0911-4C3F-BCB0-EE7E575A6B9E}"/>
-              </a:ext>
-            </a:extLst>
-          </p:cNvPr>
-          <p:cNvSpPr>
-            <a:spLocks noGrp="1"/>
-          </p:cNvSpPr>
-          <p:nvPr>
-            <p:ph idx="1"/>
-          </p:nvPr>
-        </p:nvSpPr>
-        <p:spPr>
-          <a:xfrm>
-            <a:off x="6901375" y="2550097"/>
-            <a:ext cx="2798158" cy="805033"/>
-          </a:xfrm>
-        </p:spPr>
-        <p:txBody>
-          <a:bodyPr>
-            <a:normAutofit lnSpcReduction="10000"/>
-          </a:bodyPr>
-          <a:lstStyle/>
-          <a:p>
-            <a:pPr marL="0" indent="0">
-              <a:buNone/>
-            </a:pPr>
-            <a:r>
-              <a:rPr lang="en-IN" dirty="0"/>
-              <a:t>Final Project Demo Video</a:t>
-            </a:r>
           </a:p>
         </p:txBody>
       </p:sp>
